--- a/pres_phs.pptx
+++ b/pres_phs.pptx
@@ -3646,7 +3646,7 @@
           <a:p>
             <a:r>
               <a:rPr lang="en-GB" sz="2800" dirty="0"/>
-              <a:t>Information Services Division, Health Protection Scotland and NHS Health Scotland</a:t>
+              <a:t>Publications and areas of work </a:t>
             </a:r>
           </a:p>
         </p:txBody>
@@ -3703,8 +3703,12 @@
           <a:lstStyle/>
           <a:p>
             <a:r>
-              <a:rPr lang="en-US" dirty="0"/>
-              <a:t>The data</a:t>
+              <a:rPr lang="en-GB" dirty="0">
+                <a:solidFill>
+                  <a:srgbClr val="7030A0"/>
+                </a:solidFill>
+              </a:rPr>
+              <a:t>Data, data quality and ethics.</a:t>
             </a:r>
             <a:endParaRPr lang="en-GB" dirty="0"/>
           </a:p>
@@ -3728,32 +3732,65 @@
         </p:nvSpPr>
         <p:spPr/>
         <p:txBody>
-          <a:bodyPr/>
+          <a:bodyPr>
+            <a:normAutofit/>
+          </a:bodyPr>
           <a:lstStyle/>
           <a:p>
             <a:r>
-              <a:rPr lang="en-US" dirty="0"/>
-              <a:t> 4 datasets </a:t>
-            </a:r>
-          </a:p>
-          <a:p>
-            <a:endParaRPr lang="en-US" dirty="0"/>
-          </a:p>
-          <a:p>
-            <a:r>
-              <a:rPr lang="en-US" dirty="0"/>
+              <a:rPr lang="en-US" sz="2800" dirty="0"/>
+              <a:t> Four datasets </a:t>
+            </a:r>
+          </a:p>
+          <a:p>
+            <a:pPr lvl="2"/>
+            <a:r>
+              <a:rPr lang="en-US" sz="1900" dirty="0"/>
+              <a:t>Demographic</a:t>
+            </a:r>
+          </a:p>
+          <a:p>
+            <a:pPr lvl="2"/>
+            <a:r>
+              <a:rPr lang="en-US" sz="1900" dirty="0"/>
+              <a:t>Deprivation</a:t>
+            </a:r>
+          </a:p>
+          <a:p>
+            <a:pPr lvl="2"/>
+            <a:r>
+              <a:rPr lang="en-US" sz="1900" dirty="0"/>
+              <a:t>A&amp;E activity and waiting times</a:t>
+            </a:r>
+          </a:p>
+          <a:p>
+            <a:pPr lvl="2"/>
+            <a:r>
+              <a:rPr lang="en-US" sz="1900" dirty="0"/>
+              <a:t>Bed occupancy and specialties</a:t>
+            </a:r>
+          </a:p>
+          <a:p>
+            <a:endParaRPr lang="en-US" sz="2800" dirty="0"/>
+          </a:p>
+          <a:p>
+            <a:r>
+              <a:rPr lang="en-US" sz="2800" dirty="0"/>
               <a:t>Quality</a:t>
             </a:r>
           </a:p>
           <a:p>
-            <a:endParaRPr lang="en-US" dirty="0"/>
-          </a:p>
-          <a:p>
-            <a:r>
-              <a:rPr lang="en-US" dirty="0"/>
+            <a:pPr marL="0" indent="0">
+              <a:buNone/>
+            </a:pPr>
+            <a:endParaRPr lang="en-US" sz="2800" dirty="0"/>
+          </a:p>
+          <a:p>
+            <a:r>
+              <a:rPr lang="en-US" sz="2800" dirty="0"/>
               <a:t>Ethics Bias </a:t>
             </a:r>
-            <a:endParaRPr lang="en-GB" dirty="0"/>
+            <a:endParaRPr lang="en-GB" sz="2800" dirty="0"/>
           </a:p>
         </p:txBody>
       </p:sp>
@@ -4983,15 +5020,6 @@
 </file>
 
 <file path=customXml/item1.xml><?xml version="1.0" encoding="utf-8"?>
-<?mso-contentType ?>
-<FormTemplates xmlns="http://schemas.microsoft.com/sharepoint/v3/contenttype/forms">
-  <Display>DocumentLibraryForm</Display>
-  <Edit>DocumentLibraryForm</Edit>
-  <New>DocumentLibraryForm</New>
-</FormTemplates>
-</file>
-
-<file path=customXml/item2.xml><?xml version="1.0" encoding="utf-8"?>
 <ct:contentTypeSchema xmlns:ct="http://schemas.microsoft.com/office/2006/metadata/contentType" xmlns:ma="http://schemas.microsoft.com/office/2006/metadata/properties/metaAttributes" ct:_="" ma:_="" ma:contentTypeName="Document" ma:contentTypeID="0x01010089DBEC408BD8C541BF1D0A7A8185C73A" ma:contentTypeVersion="12" ma:contentTypeDescription="Create a new document." ma:contentTypeScope="" ma:versionID="facabb8aa984d0d3774c59da9b89c4d8">
   <xsd:schema xmlns:xsd="http://www.w3.org/2001/XMLSchema" xmlns:xs="http://www.w3.org/2001/XMLSchema" xmlns:p="http://schemas.microsoft.com/office/2006/metadata/properties" xmlns:ns2="05319bfa-3f65-44d8-9f91-bfd83a0e1198" xmlns:ns3="b134d4f5-2915-41cd-ac98-98cd822a119e" targetNamespace="http://schemas.microsoft.com/office/2006/metadata/properties" ma:root="true" ma:fieldsID="5cdd2d8a927ab4e2f0be1df0f9880cf7" ns2:_="" ns3:_="">
     <xsd:import namespace="05319bfa-3f65-44d8-9f91-bfd83a0e1198"/>
@@ -5208,6 +5236,15 @@
 </ct:contentTypeSchema>
 </file>
 
+<file path=customXml/item2.xml><?xml version="1.0" encoding="utf-8"?>
+<?mso-contentType ?>
+<FormTemplates xmlns="http://schemas.microsoft.com/sharepoint/v3/contenttype/forms">
+  <Display>DocumentLibraryForm</Display>
+  <Edit>DocumentLibraryForm</Edit>
+  <New>DocumentLibraryForm</New>
+</FormTemplates>
+</file>
+
 <file path=customXml/item3.xml><?xml version="1.0" encoding="utf-8"?>
 <p:properties xmlns:p="http://schemas.microsoft.com/office/2006/metadata/properties" xmlns:xsi="http://www.w3.org/2001/XMLSchema-instance" xmlns:pc="http://schemas.microsoft.com/office/infopath/2007/PartnerControls">
   <documentManagement>
@@ -5223,14 +5260,6 @@
 </file>
 
 <file path=customXml/itemProps1.xml><?xml version="1.0" encoding="utf-8"?>
-<ds:datastoreItem xmlns:ds="http://schemas.openxmlformats.org/officeDocument/2006/customXml" ds:itemID="{AD6B120D-A0FB-4DD8-992E-3D48283A8AF5}">
-  <ds:schemaRefs>
-    <ds:schemaRef ds:uri="http://schemas.microsoft.com/sharepoint/v3/contenttype/forms"/>
-  </ds:schemaRefs>
-</ds:datastoreItem>
-</file>
-
-<file path=customXml/itemProps2.xml><?xml version="1.0" encoding="utf-8"?>
 <ds:datastoreItem xmlns:ds="http://schemas.openxmlformats.org/officeDocument/2006/customXml" ds:itemID="{C2C63015-15A7-477A-9C22-03E711AAC252}">
   <ds:schemaRefs>
     <ds:schemaRef ds:uri="http://schemas.microsoft.com/office/2006/metadata/contentType"/>
@@ -5245,6 +5274,14 @@
     <ds:schemaRef ds:uri="http://purl.org/dc/elements/1.1/"/>
     <ds:schemaRef ds:uri="http://purl.org/dc/terms/"/>
     <ds:schemaRef ds:uri="http://schemas.microsoft.com/internal/obd"/>
+  </ds:schemaRefs>
+</ds:datastoreItem>
+</file>
+
+<file path=customXml/itemProps2.xml><?xml version="1.0" encoding="utf-8"?>
+<ds:datastoreItem xmlns:ds="http://schemas.openxmlformats.org/officeDocument/2006/customXml" ds:itemID="{AD6B120D-A0FB-4DD8-992E-3D48283A8AF5}">
+  <ds:schemaRefs>
+    <ds:schemaRef ds:uri="http://schemas.microsoft.com/sharepoint/v3/contenttype/forms"/>
   </ds:schemaRefs>
 </ds:datastoreItem>
 </file>

--- a/pres_phs.pptx
+++ b/pres_phs.pptx
@@ -1551,6 +1551,90 @@
 </file>
 
 <file path=ppt/notesSlides/notesSlide8.xml><?xml version="1.0" encoding="utf-8"?>
+<p:notes xmlns:a="http://schemas.openxmlformats.org/drawingml/2006/main" xmlns:r="http://schemas.openxmlformats.org/officeDocument/2006/relationships" xmlns:p="http://schemas.openxmlformats.org/presentationml/2006/main">
+  <p:cSld>
+    <p:spTree>
+      <p:nvGrpSpPr>
+        <p:cNvPr id="1" name=""/>
+        <p:cNvGrpSpPr/>
+        <p:nvPr/>
+      </p:nvGrpSpPr>
+      <p:grpSpPr>
+        <a:xfrm>
+          <a:off x="0" y="0"/>
+          <a:ext cx="0" cy="0"/>
+          <a:chOff x="0" y="0"/>
+          <a:chExt cx="0" cy="0"/>
+        </a:xfrm>
+      </p:grpSpPr>
+      <p:sp>
+        <p:nvSpPr>
+          <p:cNvPr id="2" name="Slide Image Placeholder 1"/>
+          <p:cNvSpPr>
+            <a:spLocks noGrp="1" noRot="1" noChangeAspect="1"/>
+          </p:cNvSpPr>
+          <p:nvPr>
+            <p:ph type="sldImg"/>
+          </p:nvPr>
+        </p:nvSpPr>
+        <p:spPr/>
+      </p:sp>
+      <p:sp>
+        <p:nvSpPr>
+          <p:cNvPr id="3" name="Notes Placeholder 2"/>
+          <p:cNvSpPr>
+            <a:spLocks noGrp="1"/>
+          </p:cNvSpPr>
+          <p:nvPr>
+            <p:ph type="body" idx="1"/>
+          </p:nvPr>
+        </p:nvSpPr>
+        <p:spPr/>
+        <p:txBody>
+          <a:bodyPr/>
+          <a:lstStyle/>
+          <a:p>
+            <a:endParaRPr lang="en-GB" dirty="0"/>
+          </a:p>
+        </p:txBody>
+      </p:sp>
+      <p:sp>
+        <p:nvSpPr>
+          <p:cNvPr id="4" name="Slide Number Placeholder 3"/>
+          <p:cNvSpPr>
+            <a:spLocks noGrp="1"/>
+          </p:cNvSpPr>
+          <p:nvPr>
+            <p:ph type="sldNum" sz="quarter" idx="5"/>
+          </p:nvPr>
+        </p:nvSpPr>
+        <p:spPr/>
+        <p:txBody>
+          <a:bodyPr/>
+          <a:lstStyle/>
+          <a:p>
+            <a:fld id="{004DBBFF-ADCD-48C9-B31C-F6B7BBEE0048}" type="slidenum">
+              <a:rPr lang="en-GB" smtClean="0"/>
+              <a:t>8</a:t>
+            </a:fld>
+            <a:endParaRPr lang="en-GB"/>
+          </a:p>
+        </p:txBody>
+      </p:sp>
+    </p:spTree>
+    <p:extLst>
+      <p:ext uri="{BB962C8B-B14F-4D97-AF65-F5344CB8AC3E}">
+        <p14:creationId xmlns:p14="http://schemas.microsoft.com/office/powerpoint/2010/main" val="351369384"/>
+      </p:ext>
+    </p:extLst>
+  </p:cSld>
+  <p:clrMapOvr>
+    <a:masterClrMapping/>
+  </p:clrMapOvr>
+</p:notes>
+</file>
+
+<file path=ppt/notesSlides/notesSlide9.xml><?xml version="1.0" encoding="utf-8"?>
 <p:notes xmlns:a="http://schemas.openxmlformats.org/drawingml/2006/main" xmlns:r="http://schemas.openxmlformats.org/officeDocument/2006/relationships" xmlns:p="http://schemas.openxmlformats.org/presentationml/2006/main">
   <p:cSld>
     <p:spTree>
@@ -3730,7 +3814,12 @@
             <p:ph idx="1"/>
           </p:nvPr>
         </p:nvSpPr>
-        <p:spPr/>
+        <p:spPr>
+          <a:xfrm>
+            <a:off x="838200" y="1449705"/>
+            <a:ext cx="10515600" cy="4351338"/>
+          </a:xfrm>
+        </p:spPr>
         <p:txBody>
           <a:bodyPr>
             <a:normAutofit/>
